--- a/docs/SetBudget.pptx
+++ b/docs/SetBudget.pptx
@@ -208,7 +208,7 @@
           <a:p>
             <a:fld id="{9629A0FB-7277-41B0-BEC2-EE35F8B0CE39}" type="datetimeFigureOut">
               <a:rPr lang="en-SG" smtClean="0"/>
-              <a:t>21/3/2020</a:t>
+              <a:t>24/3/2020</a:t>
             </a:fld>
             <a:endParaRPr lang="en-SG"/>
           </a:p>
@@ -3829,9 +3829,9 @@
           <p:nvPr/>
         </p:nvSpPr>
         <p:spPr bwMode="auto">
-          <a:xfrm>
-            <a:off x="728768" y="1440950"/>
-            <a:ext cx="10115" cy="3904336"/>
+          <a:xfrm flipH="1">
+            <a:off x="722957" y="1440949"/>
+            <a:ext cx="5811" cy="4694675"/>
           </a:xfrm>
           <a:prstGeom prst="line">
             <a:avLst/>
@@ -3953,8 +3953,8 @@
         </p:nvSpPr>
         <p:spPr>
           <a:xfrm>
-            <a:off x="603890" y="1721228"/>
-            <a:ext cx="225619" cy="3348432"/>
+            <a:off x="603890" y="1721227"/>
+            <a:ext cx="225619" cy="4138213"/>
           </a:xfrm>
           <a:prstGeom prst="rect">
             <a:avLst/>
@@ -4011,7 +4011,7 @@
         </p:nvSpPr>
         <p:spPr bwMode="auto">
           <a:xfrm>
-            <a:off x="5045960" y="2784925"/>
+            <a:off x="5670162" y="2779237"/>
             <a:ext cx="1851494" cy="600164"/>
           </a:xfrm>
           <a:prstGeom prst="rect">
@@ -4176,8 +4176,8 @@
         </p:nvSpPr>
         <p:spPr bwMode="auto">
           <a:xfrm>
-            <a:off x="6170251" y="4023990"/>
-            <a:ext cx="1745545" cy="323165"/>
+            <a:off x="6656907" y="4096522"/>
+            <a:ext cx="1766349" cy="323165"/>
           </a:xfrm>
           <a:prstGeom prst="rect">
             <a:avLst/>
@@ -4224,8 +4224,8 @@
         </p:nvSpPr>
         <p:spPr bwMode="auto">
           <a:xfrm flipV="1">
-            <a:off x="3194466" y="3117930"/>
-            <a:ext cx="1851494" cy="3290"/>
+            <a:off x="3194465" y="3114795"/>
+            <a:ext cx="2475697" cy="6425"/>
           </a:xfrm>
           <a:prstGeom prst="line">
             <a:avLst/>
@@ -4369,9 +4369,9 @@
           <p:nvPr/>
         </p:nvSpPr>
         <p:spPr bwMode="auto">
-          <a:xfrm flipH="1">
-            <a:off x="5950673" y="3385089"/>
-            <a:ext cx="4560" cy="1893221"/>
+          <a:xfrm>
+            <a:off x="6595908" y="3379401"/>
+            <a:ext cx="7333" cy="2480038"/>
           </a:xfrm>
           <a:prstGeom prst="line">
             <a:avLst/>
@@ -4505,8 +4505,8 @@
         </p:nvSpPr>
         <p:spPr>
           <a:xfrm>
-            <a:off x="5829553" y="3984167"/>
-            <a:ext cx="251361" cy="878804"/>
+            <a:off x="6465668" y="3979564"/>
+            <a:ext cx="251361" cy="1396565"/>
           </a:xfrm>
           <a:prstGeom prst="rect">
             <a:avLst/>
@@ -4568,7 +4568,7 @@
         </p:nvSpPr>
         <p:spPr bwMode="auto">
           <a:xfrm>
-            <a:off x="7309648" y="3114582"/>
+            <a:off x="7408331" y="3481231"/>
             <a:ext cx="1676400" cy="600164"/>
           </a:xfrm>
           <a:prstGeom prst="rect">
@@ -4787,7 +4787,7 @@
         <p:spPr bwMode="auto">
           <a:xfrm>
             <a:off x="863760" y="3984167"/>
-            <a:ext cx="4978265" cy="9432"/>
+            <a:ext cx="5606469" cy="3415"/>
           </a:xfrm>
           <a:prstGeom prst="line">
             <a:avLst/>
@@ -4833,8 +4833,8 @@
         </p:nvSpPr>
         <p:spPr bwMode="auto">
           <a:xfrm>
-            <a:off x="6077527" y="4276435"/>
-            <a:ext cx="1930399" cy="20931"/>
+            <a:off x="6705602" y="4466836"/>
+            <a:ext cx="1492280" cy="0"/>
           </a:xfrm>
           <a:prstGeom prst="line">
             <a:avLst/>
@@ -4881,7 +4881,7 @@
         <p:spPr bwMode="auto">
           <a:xfrm>
             <a:off x="3169609" y="2761842"/>
-            <a:ext cx="2084117" cy="323165"/>
+            <a:ext cx="2500554" cy="323165"/>
           </a:xfrm>
           <a:prstGeom prst="rect">
             <a:avLst/>
@@ -4913,7 +4913,7 @@
             </a:r>
             <a:r>
               <a:rPr lang="en-US" sz="1500" i="1" dirty="0"/>
-              <a:t>()</a:t>
+              <a:t>(amount)</a:t>
             </a:r>
           </a:p>
         </p:txBody>
@@ -5116,7 +5116,7 @@
         </p:nvSpPr>
         <p:spPr bwMode="auto">
           <a:xfrm>
-            <a:off x="8147848" y="3714746"/>
+            <a:off x="8291650" y="4081395"/>
             <a:ext cx="0" cy="1605048"/>
           </a:xfrm>
           <a:prstGeom prst="line">
@@ -5174,7 +5174,7 @@
         </p:nvSpPr>
         <p:spPr>
           <a:xfrm>
-            <a:off x="8022167" y="4297369"/>
+            <a:off x="8171895" y="4466836"/>
             <a:ext cx="251361" cy="697392"/>
           </a:xfrm>
           <a:prstGeom prst="rect">
@@ -5234,7 +5234,7 @@
         </p:nvCxnSpPr>
         <p:spPr>
           <a:xfrm rot="16200000" flipV="1">
-            <a:off x="5807180" y="5182827"/>
+            <a:off x="6465743" y="5787918"/>
             <a:ext cx="284430" cy="267655"/>
           </a:xfrm>
           <a:prstGeom prst="line">
@@ -5277,7 +5277,7 @@
         </p:nvCxnSpPr>
         <p:spPr>
           <a:xfrm rot="5400000">
-            <a:off x="5800590" y="5187321"/>
+            <a:off x="6459153" y="5792412"/>
             <a:ext cx="288175" cy="266007"/>
           </a:xfrm>
           <a:prstGeom prst="line">
@@ -5306,6 +5306,102 @@
           </a:fontRef>
         </p:style>
       </p:cxnSp>
+      <p:sp>
+        <p:nvSpPr>
+          <p:cNvPr id="30" name="Line 16">
+            <a:extLst>
+              <a:ext uri="{FF2B5EF4-FFF2-40B4-BE49-F238E27FC236}">
+                <a16:creationId xmlns:a16="http://schemas.microsoft.com/office/drawing/2014/main" id="{7EAC74AF-378E-4960-8C02-799AFB20C06A}"/>
+              </a:ext>
+            </a:extLst>
+          </p:cNvPr>
+          <p:cNvSpPr>
+            <a:spLocks noChangeShapeType="1"/>
+          </p:cNvSpPr>
+          <p:nvPr/>
+        </p:nvSpPr>
+        <p:spPr bwMode="auto">
+          <a:xfrm flipH="1" flipV="1">
+            <a:off x="822536" y="5368184"/>
+            <a:ext cx="5636907" cy="7945"/>
+          </a:xfrm>
+          <a:prstGeom prst="line">
+            <a:avLst/>
+          </a:prstGeom>
+          <a:noFill/>
+          <a:ln w="19050">
+            <a:solidFill>
+              <a:schemeClr val="accent3">
+                <a:lumMod val="75000"/>
+              </a:schemeClr>
+            </a:solidFill>
+            <a:prstDash val="sysDash"/>
+            <a:round/>
+            <a:headEnd/>
+            <a:tailEnd type="triangle" w="lg" len="lg"/>
+          </a:ln>
+        </p:spPr>
+        <p:txBody>
+          <a:bodyPr/>
+          <a:lstStyle/>
+          <a:p>
+            <a:pPr defTabSz="872733"/>
+            <a:endParaRPr lang="en-US" sz="1500">
+              <a:solidFill>
+                <a:prstClr val="black"/>
+              </a:solidFill>
+            </a:endParaRPr>
+          </a:p>
+        </p:txBody>
+      </p:sp>
+      <p:sp>
+        <p:nvSpPr>
+          <p:cNvPr id="31" name="Line 16">
+            <a:extLst>
+              <a:ext uri="{FF2B5EF4-FFF2-40B4-BE49-F238E27FC236}">
+                <a16:creationId xmlns:a16="http://schemas.microsoft.com/office/drawing/2014/main" id="{6962339A-EA6A-4676-9159-D421D0D22CCE}"/>
+              </a:ext>
+            </a:extLst>
+          </p:cNvPr>
+          <p:cNvSpPr>
+            <a:spLocks noChangeShapeType="1"/>
+          </p:cNvSpPr>
+          <p:nvPr/>
+        </p:nvSpPr>
+        <p:spPr bwMode="auto">
+          <a:xfrm flipH="1" flipV="1">
+            <a:off x="6697009" y="5136808"/>
+            <a:ext cx="1464976" cy="7944"/>
+          </a:xfrm>
+          <a:prstGeom prst="line">
+            <a:avLst/>
+          </a:prstGeom>
+          <a:noFill/>
+          <a:ln w="19050">
+            <a:solidFill>
+              <a:schemeClr val="bg2">
+                <a:lumMod val="50000"/>
+              </a:schemeClr>
+            </a:solidFill>
+            <a:prstDash val="sysDash"/>
+            <a:round/>
+            <a:headEnd/>
+            <a:tailEnd type="triangle" w="lg" len="lg"/>
+          </a:ln>
+        </p:spPr>
+        <p:txBody>
+          <a:bodyPr/>
+          <a:lstStyle/>
+          <a:p>
+            <a:pPr defTabSz="872733"/>
+            <a:endParaRPr lang="en-US" sz="1500">
+              <a:solidFill>
+                <a:prstClr val="black"/>
+              </a:solidFill>
+            </a:endParaRPr>
+          </a:p>
+        </p:txBody>
+      </p:sp>
     </p:spTree>
     <p:extLst>
       <p:ext uri="{BB962C8B-B14F-4D97-AF65-F5344CB8AC3E}">
@@ -6209,6 +6305,60 @@
                                   </p:childTnLst>
                                 </p:cTn>
                               </p:par>
+                              <p:par>
+                                <p:cTn id="71" presetID="1" presetClass="exit" presetSubtype="0" fill="hold" grpId="0" nodeType="withEffect">
+                                  <p:stCondLst>
+                                    <p:cond delay="0"/>
+                                  </p:stCondLst>
+                                  <p:childTnLst>
+                                    <p:set>
+                                      <p:cBhvr>
+                                        <p:cTn id="72" dur="1" fill="hold">
+                                          <p:stCondLst>
+                                            <p:cond delay="0"/>
+                                          </p:stCondLst>
+                                        </p:cTn>
+                                        <p:tgtEl>
+                                          <p:spTgt spid="30"/>
+                                        </p:tgtEl>
+                                        <p:attrNameLst>
+                                          <p:attrName>style.visibility</p:attrName>
+                                        </p:attrNameLst>
+                                      </p:cBhvr>
+                                      <p:to>
+                                        <p:strVal val="hidden"/>
+                                      </p:to>
+                                    </p:set>
+                                  </p:childTnLst>
+                                </p:cTn>
+                              </p:par>
+                              <p:par>
+                                <p:cTn id="73" presetID="1" presetClass="exit" presetSubtype="0" fill="hold" grpId="0" nodeType="withEffect">
+                                  <p:stCondLst>
+                                    <p:cond delay="0"/>
+                                  </p:stCondLst>
+                                  <p:childTnLst>
+                                    <p:set>
+                                      <p:cBhvr>
+                                        <p:cTn id="74" dur="1" fill="hold">
+                                          <p:stCondLst>
+                                            <p:cond delay="0"/>
+                                          </p:stCondLst>
+                                        </p:cTn>
+                                        <p:tgtEl>
+                                          <p:spTgt spid="31"/>
+                                        </p:tgtEl>
+                                        <p:attrNameLst>
+                                          <p:attrName>style.visibility</p:attrName>
+                                        </p:attrNameLst>
+                                      </p:cBhvr>
+                                      <p:to>
+                                        <p:strVal val="hidden"/>
+                                      </p:to>
+                                    </p:set>
+                                  </p:childTnLst>
+                                </p:cTn>
+                              </p:par>
                             </p:childTnLst>
                           </p:cTn>
                         </p:par>
@@ -6268,6 +6418,8 @@
       <p:bldP spid="51" grpId="1"/>
       <p:bldP spid="52" grpId="0" animBg="1"/>
       <p:bldP spid="53" grpId="0" animBg="1"/>
+      <p:bldP spid="30" grpId="0" animBg="1"/>
+      <p:bldP spid="31" grpId="0" animBg="1"/>
     </p:bldLst>
   </p:timing>
 </p:sld>

--- a/docs/SetBudget.pptx
+++ b/docs/SetBudget.pptx
@@ -5370,8 +5370,8 @@
         </p:nvSpPr>
         <p:spPr bwMode="auto">
           <a:xfrm flipH="1" flipV="1">
-            <a:off x="6697009" y="5136808"/>
-            <a:ext cx="1464976" cy="7944"/>
+            <a:off x="6705601" y="5164228"/>
+            <a:ext cx="1456381" cy="0"/>
           </a:xfrm>
           <a:prstGeom prst="line">
             <a:avLst/>

--- a/docs/SetBudget.pptx
+++ b/docs/SetBudget.pptx
@@ -208,7 +208,7 @@
           <a:p>
             <a:fld id="{9629A0FB-7277-41B0-BEC2-EE35F8B0CE39}" type="datetimeFigureOut">
               <a:rPr lang="en-SG" smtClean="0"/>
-              <a:t>24/3/2020</a:t>
+              <a:t>27/3/2020</a:t>
             </a:fld>
             <a:endParaRPr lang="en-SG"/>
           </a:p>
@@ -4704,8 +4704,21 @@
                   <a:prstClr val="black"/>
                 </a:solidFill>
               </a:rPr>
-              <a:t>:Duke</a:t>
-            </a:r>
+              <a:t>:</a:t>
+            </a:r>
+            <a:r>
+              <a:rPr lang="en-US" sz="1500" dirty="0" err="1">
+                <a:solidFill>
+                  <a:prstClr val="black"/>
+                </a:solidFill>
+              </a:rPr>
+              <a:t>Shoco</a:t>
+            </a:r>
+            <a:endParaRPr lang="en-US" sz="1500" dirty="0">
+              <a:solidFill>
+                <a:prstClr val="black"/>
+              </a:solidFill>
+            </a:endParaRPr>
           </a:p>
         </p:txBody>
       </p:sp>

--- a/docs/SetBudget.pptx
+++ b/docs/SetBudget.pptx
@@ -208,7 +208,7 @@
           <a:p>
             <a:fld id="{9629A0FB-7277-41B0-BEC2-EE35F8B0CE39}" type="datetimeFigureOut">
               <a:rPr lang="en-SG" smtClean="0"/>
-              <a:t>27/3/2020</a:t>
+              <a:t>2/4/2020</a:t>
             </a:fld>
             <a:endParaRPr lang="en-SG"/>
           </a:p>
@@ -3947,62 +3947,6 @@
       </p:sp>
       <p:sp>
         <p:nvSpPr>
-          <p:cNvPr id="17" name="Rectangle 16"/>
-          <p:cNvSpPr/>
-          <p:nvPr/>
-        </p:nvSpPr>
-        <p:spPr>
-          <a:xfrm>
-            <a:off x="603890" y="1721227"/>
-            <a:ext cx="225619" cy="4138213"/>
-          </a:xfrm>
-          <a:prstGeom prst="rect">
-            <a:avLst/>
-          </a:prstGeom>
-          <a:solidFill>
-            <a:schemeClr val="accent2">
-              <a:lumMod val="40000"/>
-              <a:lumOff val="60000"/>
-            </a:schemeClr>
-          </a:solidFill>
-          <a:ln>
-            <a:solidFill>
-              <a:schemeClr val="accent2">
-                <a:lumMod val="60000"/>
-                <a:lumOff val="40000"/>
-              </a:schemeClr>
-            </a:solidFill>
-          </a:ln>
-        </p:spPr>
-        <p:style>
-          <a:lnRef idx="2">
-            <a:schemeClr val="accent4"/>
-          </a:lnRef>
-          <a:fillRef idx="1">
-            <a:schemeClr val="lt1"/>
-          </a:fillRef>
-          <a:effectRef idx="0">
-            <a:schemeClr val="accent4"/>
-          </a:effectRef>
-          <a:fontRef idx="minor">
-            <a:schemeClr val="dk1"/>
-          </a:fontRef>
-        </p:style>
-        <p:txBody>
-          <a:bodyPr rtlCol="0" anchor="ctr"/>
-          <a:lstStyle/>
-          <a:p>
-            <a:pPr algn="ctr" defTabSz="872733"/>
-            <a:endParaRPr lang="en-US" sz="1500">
-              <a:solidFill>
-                <a:prstClr val="black"/>
-              </a:solidFill>
-            </a:endParaRPr>
-          </a:p>
-        </p:txBody>
-      </p:sp>
-      <p:sp>
-        <p:nvSpPr>
           <p:cNvPr id="18" name="Text Box 11"/>
           <p:cNvSpPr txBox="1">
             <a:spLocks noChangeArrowheads="1"/>
@@ -4136,9 +4080,9 @@
           <p:nvPr/>
         </p:nvSpPr>
         <p:spPr bwMode="auto">
-          <a:xfrm flipV="1">
-            <a:off x="823868" y="1898263"/>
-            <a:ext cx="1747815" cy="12191"/>
+          <a:xfrm>
+            <a:off x="722958" y="1896615"/>
+            <a:ext cx="1848726" cy="0"/>
           </a:xfrm>
           <a:prstGeom prst="line">
             <a:avLst/>
@@ -4176,7 +4120,7 @@
         </p:nvSpPr>
         <p:spPr bwMode="auto">
           <a:xfrm>
-            <a:off x="6656907" y="4096522"/>
+            <a:off x="6654694" y="4216345"/>
             <a:ext cx="1766349" cy="323165"/>
           </a:xfrm>
           <a:prstGeom prst="rect">
@@ -4224,8 +4168,8 @@
         </p:nvSpPr>
         <p:spPr bwMode="auto">
           <a:xfrm flipV="1">
-            <a:off x="3194465" y="3114795"/>
-            <a:ext cx="2475697" cy="6425"/>
+            <a:off x="3026684" y="3134824"/>
+            <a:ext cx="2674909" cy="0"/>
           </a:xfrm>
           <a:prstGeom prst="line">
             <a:avLst/>
@@ -4265,7 +4209,7 @@
         </p:nvSpPr>
         <p:spPr bwMode="auto">
           <a:xfrm>
-            <a:off x="808004" y="2320801"/>
+            <a:off x="777103" y="2321228"/>
             <a:ext cx="2500554" cy="323165"/>
           </a:xfrm>
           <a:prstGeom prst="rect">
@@ -4321,7 +4265,7 @@
         </p:nvSpPr>
         <p:spPr bwMode="auto">
           <a:xfrm>
-            <a:off x="965943" y="3019896"/>
+            <a:off x="985848" y="2884368"/>
             <a:ext cx="1769354" cy="553998"/>
           </a:xfrm>
           <a:prstGeom prst="rect">
@@ -4424,8 +4368,8 @@
         </p:nvSpPr>
         <p:spPr bwMode="auto">
           <a:xfrm flipV="1">
-            <a:off x="863760" y="2696243"/>
-            <a:ext cx="2040971" cy="1"/>
+            <a:off x="722956" y="2651911"/>
+            <a:ext cx="2303728" cy="0"/>
           </a:xfrm>
           <a:prstGeom prst="line">
             <a:avLst/>
@@ -4494,61 +4438,6 @@
               <a:rPr lang="en-US" sz="1500" i="1" dirty="0"/>
               <a:t>Parser()</a:t>
             </a:r>
-          </a:p>
-        </p:txBody>
-      </p:sp>
-      <p:sp>
-        <p:nvSpPr>
-          <p:cNvPr id="40" name="Rectangle 39"/>
-          <p:cNvSpPr/>
-          <p:nvPr/>
-        </p:nvSpPr>
-        <p:spPr>
-          <a:xfrm>
-            <a:off x="6465668" y="3979564"/>
-            <a:ext cx="251361" cy="1396565"/>
-          </a:xfrm>
-          <a:prstGeom prst="rect">
-            <a:avLst/>
-          </a:prstGeom>
-          <a:solidFill>
-            <a:schemeClr val="accent3">
-              <a:lumMod val="20000"/>
-              <a:lumOff val="80000"/>
-            </a:schemeClr>
-          </a:solidFill>
-          <a:ln>
-            <a:solidFill>
-              <a:schemeClr val="accent3">
-                <a:lumMod val="75000"/>
-              </a:schemeClr>
-            </a:solidFill>
-          </a:ln>
-        </p:spPr>
-        <p:style>
-          <a:lnRef idx="2">
-            <a:schemeClr val="accent4"/>
-          </a:lnRef>
-          <a:fillRef idx="1">
-            <a:schemeClr val="lt1"/>
-          </a:fillRef>
-          <a:effectRef idx="0">
-            <a:schemeClr val="accent4"/>
-          </a:effectRef>
-          <a:fontRef idx="minor">
-            <a:schemeClr val="dk1"/>
-          </a:fontRef>
-        </p:style>
-        <p:txBody>
-          <a:bodyPr rtlCol="0" anchor="ctr"/>
-          <a:lstStyle/>
-          <a:p>
-            <a:pPr algn="ctr" defTabSz="872733"/>
-            <a:endParaRPr lang="en-US" sz="1500">
-              <a:solidFill>
-                <a:prstClr val="black"/>
-              </a:solidFill>
-            </a:endParaRPr>
           </a:p>
         </p:txBody>
       </p:sp>
@@ -4704,82 +4593,8 @@
                   <a:prstClr val="black"/>
                 </a:solidFill>
               </a:rPr>
-              <a:t>:</a:t>
-            </a:r>
-            <a:r>
-              <a:rPr lang="en-US" sz="1500" dirty="0" err="1">
-                <a:solidFill>
-                  <a:prstClr val="black"/>
-                </a:solidFill>
-              </a:rPr>
-              <a:t>Shoco</a:t>
-            </a:r>
-            <a:endParaRPr lang="en-US" sz="1500" dirty="0">
-              <a:solidFill>
-                <a:prstClr val="black"/>
-              </a:solidFill>
-            </a:endParaRPr>
-          </a:p>
-        </p:txBody>
-      </p:sp>
-      <p:sp>
-        <p:nvSpPr>
-          <p:cNvPr id="44" name="Rectangle 43">
-            <a:extLst>
-              <a:ext uri="{FF2B5EF4-FFF2-40B4-BE49-F238E27FC236}">
-                <a16:creationId xmlns:a16="http://schemas.microsoft.com/office/drawing/2014/main" id="{1ABAE2EE-0C6F-40C9-9F83-C6E45146189B}"/>
-              </a:ext>
-            </a:extLst>
-          </p:cNvPr>
-          <p:cNvSpPr/>
-          <p:nvPr/>
-        </p:nvSpPr>
-        <p:spPr>
-          <a:xfrm>
-            <a:off x="2888219" y="2698465"/>
-            <a:ext cx="286905" cy="893938"/>
-          </a:xfrm>
-          <a:prstGeom prst="rect">
-            <a:avLst/>
-          </a:prstGeom>
-          <a:solidFill>
-            <a:schemeClr val="accent4">
-              <a:lumMod val="40000"/>
-              <a:lumOff val="60000"/>
-            </a:schemeClr>
-          </a:solidFill>
-          <a:ln>
-            <a:solidFill>
-              <a:schemeClr val="accent4">
-                <a:lumMod val="75000"/>
-              </a:schemeClr>
-            </a:solidFill>
-          </a:ln>
-        </p:spPr>
-        <p:style>
-          <a:lnRef idx="2">
-            <a:schemeClr val="accent4"/>
-          </a:lnRef>
-          <a:fillRef idx="1">
-            <a:schemeClr val="lt1"/>
-          </a:fillRef>
-          <a:effectRef idx="0">
-            <a:schemeClr val="accent4"/>
-          </a:effectRef>
-          <a:fontRef idx="minor">
-            <a:schemeClr val="dk1"/>
-          </a:fontRef>
-        </p:style>
-        <p:txBody>
-          <a:bodyPr rtlCol="0" anchor="ctr"/>
-          <a:lstStyle/>
-          <a:p>
-            <a:pPr algn="ctr" defTabSz="872733"/>
-            <a:endParaRPr lang="en-US" sz="1500">
-              <a:solidFill>
-                <a:prstClr val="black"/>
-              </a:solidFill>
-            </a:endParaRPr>
+              <a:t>:Duke</a:t>
+            </a:r>
           </a:p>
         </p:txBody>
       </p:sp>
@@ -4798,9 +4613,9 @@
           <p:nvPr/>
         </p:nvSpPr>
         <p:spPr bwMode="auto">
-          <a:xfrm>
-            <a:off x="863760" y="3984167"/>
-            <a:ext cx="5606469" cy="3415"/>
+          <a:xfrm flipV="1">
+            <a:off x="728768" y="4118502"/>
+            <a:ext cx="5867139" cy="0"/>
           </a:xfrm>
           <a:prstGeom prst="line">
             <a:avLst/>
@@ -4846,8 +4661,8 @@
         </p:nvSpPr>
         <p:spPr bwMode="auto">
           <a:xfrm>
-            <a:off x="6705602" y="4466836"/>
-            <a:ext cx="1492280" cy="0"/>
+            <a:off x="6595906" y="4619420"/>
+            <a:ext cx="1695743" cy="0"/>
           </a:xfrm>
           <a:prstGeom prst="line">
             <a:avLst/>
@@ -4893,7 +4708,7 @@
         </p:nvSpPr>
         <p:spPr bwMode="auto">
           <a:xfrm>
-            <a:off x="3169609" y="2761842"/>
+            <a:off x="3098146" y="2761934"/>
             <a:ext cx="2500554" cy="323165"/>
           </a:xfrm>
           <a:prstGeom prst="rect">
@@ -4947,8 +4762,8 @@
         </p:nvSpPr>
         <p:spPr bwMode="auto">
           <a:xfrm flipH="1">
-            <a:off x="852246" y="3573169"/>
-            <a:ext cx="2016629" cy="7945"/>
+            <a:off x="722956" y="3498401"/>
+            <a:ext cx="2295138" cy="0"/>
           </a:xfrm>
           <a:prstGeom prst="line">
             <a:avLst/>
@@ -5079,7 +4894,7 @@
         </p:nvSpPr>
         <p:spPr bwMode="auto">
           <a:xfrm>
-            <a:off x="4814686" y="3696548"/>
+            <a:off x="4814685" y="3745611"/>
             <a:ext cx="886908" cy="323165"/>
           </a:xfrm>
           <a:prstGeom prst="rect">
@@ -5165,66 +4980,6 @@
           <a:lstStyle/>
           <a:p>
             <a:pPr defTabSz="872733"/>
-            <a:endParaRPr lang="en-US" sz="1500">
-              <a:solidFill>
-                <a:prstClr val="black"/>
-              </a:solidFill>
-            </a:endParaRPr>
-          </a:p>
-        </p:txBody>
-      </p:sp>
-      <p:sp>
-        <p:nvSpPr>
-          <p:cNvPr id="53" name="Rectangle 52">
-            <a:extLst>
-              <a:ext uri="{FF2B5EF4-FFF2-40B4-BE49-F238E27FC236}">
-                <a16:creationId xmlns:a16="http://schemas.microsoft.com/office/drawing/2014/main" id="{E7397DF1-A503-43B8-9D46-710440F45D61}"/>
-              </a:ext>
-            </a:extLst>
-          </p:cNvPr>
-          <p:cNvSpPr/>
-          <p:nvPr/>
-        </p:nvSpPr>
-        <p:spPr>
-          <a:xfrm>
-            <a:off x="8171895" y="4466836"/>
-            <a:ext cx="251361" cy="697392"/>
-          </a:xfrm>
-          <a:prstGeom prst="rect">
-            <a:avLst/>
-          </a:prstGeom>
-          <a:solidFill>
-            <a:schemeClr val="bg2">
-              <a:lumMod val="75000"/>
-            </a:schemeClr>
-          </a:solidFill>
-          <a:ln>
-            <a:solidFill>
-              <a:schemeClr val="bg2">
-                <a:lumMod val="50000"/>
-              </a:schemeClr>
-            </a:solidFill>
-          </a:ln>
-        </p:spPr>
-        <p:style>
-          <a:lnRef idx="2">
-            <a:schemeClr val="accent4"/>
-          </a:lnRef>
-          <a:fillRef idx="1">
-            <a:schemeClr val="lt1"/>
-          </a:fillRef>
-          <a:effectRef idx="0">
-            <a:schemeClr val="accent4"/>
-          </a:effectRef>
-          <a:fontRef idx="minor">
-            <a:schemeClr val="dk1"/>
-          </a:fontRef>
-        </p:style>
-        <p:txBody>
-          <a:bodyPr rtlCol="0" anchor="ctr"/>
-          <a:lstStyle/>
-          <a:p>
-            <a:pPr algn="ctr" defTabSz="872733"/>
             <a:endParaRPr lang="en-US" sz="1500">
               <a:solidFill>
                 <a:prstClr val="black"/>
@@ -5335,8 +5090,8 @@
         </p:nvSpPr>
         <p:spPr bwMode="auto">
           <a:xfrm flipH="1" flipV="1">
-            <a:off x="822536" y="5368184"/>
-            <a:ext cx="5636907" cy="7945"/>
+            <a:off x="722956" y="5389726"/>
+            <a:ext cx="5872947" cy="0"/>
           </a:xfrm>
           <a:prstGeom prst="line">
             <a:avLst/>
@@ -5383,8 +5138,8 @@
         </p:nvSpPr>
         <p:spPr bwMode="auto">
           <a:xfrm flipH="1" flipV="1">
-            <a:off x="6705601" y="5164228"/>
-            <a:ext cx="1456381" cy="0"/>
+            <a:off x="6595904" y="5139674"/>
+            <a:ext cx="1695744" cy="0"/>
           </a:xfrm>
           <a:prstGeom prst="line">
             <a:avLst/>
@@ -5594,7 +5349,7 @@
                                           </p:stCondLst>
                                         </p:cTn>
                                         <p:tgtEl>
-                                          <p:spTgt spid="17"/>
+                                          <p:spTgt spid="18"/>
                                         </p:tgtEl>
                                         <p:attrNameLst>
                                           <p:attrName>style.visibility</p:attrName>
@@ -5621,7 +5376,7 @@
                                           </p:stCondLst>
                                         </p:cTn>
                                         <p:tgtEl>
-                                          <p:spTgt spid="18"/>
+                                          <p:spTgt spid="19"/>
                                         </p:tgtEl>
                                         <p:attrNameLst>
                                           <p:attrName>style.visibility</p:attrName>
@@ -5648,7 +5403,7 @@
                                           </p:stCondLst>
                                         </p:cTn>
                                         <p:tgtEl>
-                                          <p:spTgt spid="19"/>
+                                          <p:spTgt spid="20"/>
                                         </p:tgtEl>
                                         <p:attrNameLst>
                                           <p:attrName>style.visibility</p:attrName>
@@ -5675,7 +5430,7 @@
                                           </p:stCondLst>
                                         </p:cTn>
                                         <p:tgtEl>
-                                          <p:spTgt spid="20"/>
+                                          <p:spTgt spid="21"/>
                                         </p:tgtEl>
                                         <p:attrNameLst>
                                           <p:attrName>style.visibility</p:attrName>
@@ -5689,7 +5444,7 @@
                                 </p:cTn>
                               </p:par>
                               <p:par>
-                                <p:cTn id="23" presetID="1" presetClass="exit" presetSubtype="0" fill="hold" grpId="0" nodeType="withEffect">
+                                <p:cTn id="23" presetID="1" presetClass="exit" presetSubtype="0" fill="hold" grpId="1" nodeType="withEffect">
                                   <p:stCondLst>
                                     <p:cond delay="0"/>
                                   </p:stCondLst>
@@ -5702,7 +5457,7 @@
                                           </p:stCondLst>
                                         </p:cTn>
                                         <p:tgtEl>
-                                          <p:spTgt spid="21"/>
+                                          <p:spTgt spid="24"/>
                                         </p:tgtEl>
                                         <p:attrNameLst>
                                           <p:attrName>style.visibility</p:attrName>
@@ -5729,7 +5484,7 @@
                                           </p:stCondLst>
                                         </p:cTn>
                                         <p:tgtEl>
-                                          <p:spTgt spid="24"/>
+                                          <p:spTgt spid="25"/>
                                         </p:tgtEl>
                                         <p:attrNameLst>
                                           <p:attrName>style.visibility</p:attrName>
@@ -5756,7 +5511,7 @@
                                           </p:stCondLst>
                                         </p:cTn>
                                         <p:tgtEl>
-                                          <p:spTgt spid="25"/>
+                                          <p:spTgt spid="29"/>
                                         </p:tgtEl>
                                         <p:attrNameLst>
                                           <p:attrName>style.visibility</p:attrName>
@@ -5770,7 +5525,7 @@
                                 </p:cTn>
                               </p:par>
                               <p:par>
-                                <p:cTn id="29" presetID="1" presetClass="exit" presetSubtype="0" fill="hold" grpId="1" nodeType="withEffect">
+                                <p:cTn id="29" presetID="1" presetClass="exit" presetSubtype="0" fill="hold" grpId="0" nodeType="withEffect">
                                   <p:stCondLst>
                                     <p:cond delay="0"/>
                                   </p:stCondLst>
@@ -5783,7 +5538,7 @@
                                           </p:stCondLst>
                                         </p:cTn>
                                         <p:tgtEl>
-                                          <p:spTgt spid="29"/>
+                                          <p:spTgt spid="33"/>
                                         </p:tgtEl>
                                         <p:attrNameLst>
                                           <p:attrName>style.visibility</p:attrName>
@@ -5810,7 +5565,7 @@
                                           </p:stCondLst>
                                         </p:cTn>
                                         <p:tgtEl>
-                                          <p:spTgt spid="33"/>
+                                          <p:spTgt spid="34"/>
                                         </p:tgtEl>
                                         <p:attrNameLst>
                                           <p:attrName>style.visibility</p:attrName>
@@ -5837,7 +5592,7 @@
                                           </p:stCondLst>
                                         </p:cTn>
                                         <p:tgtEl>
-                                          <p:spTgt spid="34"/>
+                                          <p:spTgt spid="38"/>
                                         </p:tgtEl>
                                         <p:attrNameLst>
                                           <p:attrName>style.visibility</p:attrName>
@@ -5864,7 +5619,7 @@
                                           </p:stCondLst>
                                         </p:cTn>
                                         <p:tgtEl>
-                                          <p:spTgt spid="38"/>
+                                          <p:spTgt spid="42"/>
                                         </p:tgtEl>
                                         <p:attrNameLst>
                                           <p:attrName>style.visibility</p:attrName>
@@ -5891,60 +5646,6 @@
                                           </p:stCondLst>
                                         </p:cTn>
                                         <p:tgtEl>
-                                          <p:spTgt spid="40"/>
-                                        </p:tgtEl>
-                                        <p:attrNameLst>
-                                          <p:attrName>style.visibility</p:attrName>
-                                        </p:attrNameLst>
-                                      </p:cBhvr>
-                                      <p:to>
-                                        <p:strVal val="hidden"/>
-                                      </p:to>
-                                    </p:set>
-                                  </p:childTnLst>
-                                </p:cTn>
-                              </p:par>
-                              <p:par>
-                                <p:cTn id="39" presetID="1" presetClass="exit" presetSubtype="0" fill="hold" grpId="0" nodeType="withEffect">
-                                  <p:stCondLst>
-                                    <p:cond delay="0"/>
-                                  </p:stCondLst>
-                                  <p:childTnLst>
-                                    <p:set>
-                                      <p:cBhvr>
-                                        <p:cTn id="40" dur="1" fill="hold">
-                                          <p:stCondLst>
-                                            <p:cond delay="0"/>
-                                          </p:stCondLst>
-                                        </p:cTn>
-                                        <p:tgtEl>
-                                          <p:spTgt spid="42"/>
-                                        </p:tgtEl>
-                                        <p:attrNameLst>
-                                          <p:attrName>style.visibility</p:attrName>
-                                        </p:attrNameLst>
-                                      </p:cBhvr>
-                                      <p:to>
-                                        <p:strVal val="hidden"/>
-                                      </p:to>
-                                    </p:set>
-                                  </p:childTnLst>
-                                </p:cTn>
-                              </p:par>
-                              <p:par>
-                                <p:cTn id="41" presetID="1" presetClass="exit" presetSubtype="0" fill="hold" grpId="0" nodeType="withEffect">
-                                  <p:stCondLst>
-                                    <p:cond delay="0"/>
-                                  </p:stCondLst>
-                                  <p:childTnLst>
-                                    <p:set>
-                                      <p:cBhvr>
-                                        <p:cTn id="42" dur="1" fill="hold">
-                                          <p:stCondLst>
-                                            <p:cond delay="0"/>
-                                          </p:stCondLst>
-                                        </p:cTn>
-                                        <p:tgtEl>
                                           <p:spTgt spid="43"/>
                                         </p:tgtEl>
                                         <p:attrNameLst>
@@ -5958,8 +5659,53 @@
                                   </p:childTnLst>
                                 </p:cTn>
                               </p:par>
+                            </p:childTnLst>
+                          </p:cTn>
+                        </p:par>
+                      </p:childTnLst>
+                    </p:cTn>
+                  </p:par>
+                  <p:par>
+                    <p:cTn id="39" fill="hold">
+                      <p:stCondLst>
+                        <p:cond delay="indefinite"/>
+                      </p:stCondLst>
+                      <p:childTnLst>
+                        <p:par>
+                          <p:cTn id="40" fill="hold">
+                            <p:stCondLst>
+                              <p:cond delay="0"/>
+                            </p:stCondLst>
+                            <p:childTnLst>
                               <p:par>
-                                <p:cTn id="43" presetID="1" presetClass="exit" presetSubtype="0" fill="hold" grpId="0" nodeType="withEffect">
+                                <p:cTn id="41" presetID="1" presetClass="entr" presetSubtype="0" fill="hold" grpId="0" nodeType="clickEffect">
+                                  <p:stCondLst>
+                                    <p:cond delay="0"/>
+                                  </p:stCondLst>
+                                  <p:childTnLst>
+                                    <p:set>
+                                      <p:cBhvr>
+                                        <p:cTn id="42" dur="1" fill="hold">
+                                          <p:stCondLst>
+                                            <p:cond delay="0"/>
+                                          </p:stCondLst>
+                                        </p:cTn>
+                                        <p:tgtEl>
+                                          <p:spTgt spid="45"/>
+                                        </p:tgtEl>
+                                        <p:attrNameLst>
+                                          <p:attrName>style.visibility</p:attrName>
+                                        </p:attrNameLst>
+                                      </p:cBhvr>
+                                      <p:to>
+                                        <p:strVal val="visible"/>
+                                      </p:to>
+                                    </p:set>
+                                  </p:childTnLst>
+                                </p:cTn>
+                              </p:par>
+                              <p:par>
+                                <p:cTn id="43" presetID="1" presetClass="exit" presetSubtype="0" fill="hold" grpId="1" nodeType="withEffect">
                                   <p:stCondLst>
                                     <p:cond delay="0"/>
                                   </p:stCondLst>
@@ -5972,7 +5718,7 @@
                                           </p:stCondLst>
                                         </p:cTn>
                                         <p:tgtEl>
-                                          <p:spTgt spid="44"/>
+                                          <p:spTgt spid="45"/>
                                         </p:tgtEl>
                                         <p:attrNameLst>
                                           <p:attrName>style.visibility</p:attrName>
@@ -6017,7 +5763,7 @@
                                           </p:stCondLst>
                                         </p:cTn>
                                         <p:tgtEl>
-                                          <p:spTgt spid="45"/>
+                                          <p:spTgt spid="46"/>
                                         </p:tgtEl>
                                         <p:attrNameLst>
                                           <p:attrName>style.visibility</p:attrName>
@@ -6044,7 +5790,7 @@
                                           </p:stCondLst>
                                         </p:cTn>
                                         <p:tgtEl>
-                                          <p:spTgt spid="45"/>
+                                          <p:spTgt spid="46"/>
                                         </p:tgtEl>
                                         <p:attrNameLst>
                                           <p:attrName>style.visibility</p:attrName>
@@ -6057,39 +5803,21 @@
                                   </p:childTnLst>
                                 </p:cTn>
                               </p:par>
-                            </p:childTnLst>
-                          </p:cTn>
-                        </p:par>
-                      </p:childTnLst>
-                    </p:cTn>
-                  </p:par>
-                  <p:par>
-                    <p:cTn id="51" fill="hold">
-                      <p:stCondLst>
-                        <p:cond delay="indefinite"/>
-                      </p:stCondLst>
-                      <p:childTnLst>
-                        <p:par>
-                          <p:cTn id="52" fill="hold">
-                            <p:stCondLst>
-                              <p:cond delay="0"/>
-                            </p:stCondLst>
-                            <p:childTnLst>
                               <p:par>
-                                <p:cTn id="53" presetID="1" presetClass="entr" presetSubtype="0" fill="hold" grpId="0" nodeType="clickEffect">
+                                <p:cTn id="51" presetID="1" presetClass="entr" presetSubtype="0" fill="hold" grpId="0" nodeType="withEffect">
                                   <p:stCondLst>
                                     <p:cond delay="0"/>
                                   </p:stCondLst>
                                   <p:childTnLst>
                                     <p:set>
                                       <p:cBhvr>
-                                        <p:cTn id="54" dur="1" fill="hold">
+                                        <p:cTn id="52" dur="1" fill="hold">
                                           <p:stCondLst>
                                             <p:cond delay="0"/>
                                           </p:stCondLst>
                                         </p:cTn>
                                         <p:tgtEl>
-                                          <p:spTgt spid="46"/>
+                                          <p:spTgt spid="47"/>
                                         </p:tgtEl>
                                         <p:attrNameLst>
                                           <p:attrName>style.visibility</p:attrName>
@@ -6103,7 +5831,34 @@
                                 </p:cTn>
                               </p:par>
                               <p:par>
-                                <p:cTn id="55" presetID="1" presetClass="exit" presetSubtype="0" fill="hold" grpId="1" nodeType="withEffect">
+                                <p:cTn id="53" presetID="1" presetClass="exit" presetSubtype="0" fill="hold" grpId="1" nodeType="withEffect">
+                                  <p:stCondLst>
+                                    <p:cond delay="0"/>
+                                  </p:stCondLst>
+                                  <p:childTnLst>
+                                    <p:set>
+                                      <p:cBhvr>
+                                        <p:cTn id="54" dur="1" fill="hold">
+                                          <p:stCondLst>
+                                            <p:cond delay="0"/>
+                                          </p:stCondLst>
+                                        </p:cTn>
+                                        <p:tgtEl>
+                                          <p:spTgt spid="47"/>
+                                        </p:tgtEl>
+                                        <p:attrNameLst>
+                                          <p:attrName>style.visibility</p:attrName>
+                                        </p:attrNameLst>
+                                      </p:cBhvr>
+                                      <p:to>
+                                        <p:strVal val="hidden"/>
+                                      </p:to>
+                                    </p:set>
+                                  </p:childTnLst>
+                                </p:cTn>
+                              </p:par>
+                              <p:par>
+                                <p:cTn id="55" presetID="1" presetClass="exit" presetSubtype="0" fill="hold" grpId="0" nodeType="withEffect">
                                   <p:stCondLst>
                                     <p:cond delay="0"/>
                                   </p:stCondLst>
@@ -6116,7 +5871,7 @@
                                           </p:stCondLst>
                                         </p:cTn>
                                         <p:tgtEl>
-                                          <p:spTgt spid="46"/>
+                                          <p:spTgt spid="48"/>
                                         </p:tgtEl>
                                         <p:attrNameLst>
                                           <p:attrName>style.visibility</p:attrName>
@@ -6143,7 +5898,7 @@
                                           </p:stCondLst>
                                         </p:cTn>
                                         <p:tgtEl>
-                                          <p:spTgt spid="47"/>
+                                          <p:spTgt spid="51"/>
                                         </p:tgtEl>
                                         <p:attrNameLst>
                                           <p:attrName>style.visibility</p:attrName>
@@ -6170,7 +5925,7 @@
                                           </p:stCondLst>
                                         </p:cTn>
                                         <p:tgtEl>
-                                          <p:spTgt spid="47"/>
+                                          <p:spTgt spid="51"/>
                                         </p:tgtEl>
                                         <p:attrNameLst>
                                           <p:attrName>style.visibility</p:attrName>
@@ -6197,87 +5952,6 @@
                                           </p:stCondLst>
                                         </p:cTn>
                                         <p:tgtEl>
-                                          <p:spTgt spid="48"/>
-                                        </p:tgtEl>
-                                        <p:attrNameLst>
-                                          <p:attrName>style.visibility</p:attrName>
-                                        </p:attrNameLst>
-                                      </p:cBhvr>
-                                      <p:to>
-                                        <p:strVal val="hidden"/>
-                                      </p:to>
-                                    </p:set>
-                                  </p:childTnLst>
-                                </p:cTn>
-                              </p:par>
-                              <p:par>
-                                <p:cTn id="63" presetID="1" presetClass="entr" presetSubtype="0" fill="hold" grpId="0" nodeType="withEffect">
-                                  <p:stCondLst>
-                                    <p:cond delay="0"/>
-                                  </p:stCondLst>
-                                  <p:childTnLst>
-                                    <p:set>
-                                      <p:cBhvr>
-                                        <p:cTn id="64" dur="1" fill="hold">
-                                          <p:stCondLst>
-                                            <p:cond delay="0"/>
-                                          </p:stCondLst>
-                                        </p:cTn>
-                                        <p:tgtEl>
-                                          <p:spTgt spid="51"/>
-                                        </p:tgtEl>
-                                        <p:attrNameLst>
-                                          <p:attrName>style.visibility</p:attrName>
-                                        </p:attrNameLst>
-                                      </p:cBhvr>
-                                      <p:to>
-                                        <p:strVal val="visible"/>
-                                      </p:to>
-                                    </p:set>
-                                  </p:childTnLst>
-                                </p:cTn>
-                              </p:par>
-                              <p:par>
-                                <p:cTn id="65" presetID="1" presetClass="exit" presetSubtype="0" fill="hold" grpId="1" nodeType="withEffect">
-                                  <p:stCondLst>
-                                    <p:cond delay="0"/>
-                                  </p:stCondLst>
-                                  <p:childTnLst>
-                                    <p:set>
-                                      <p:cBhvr>
-                                        <p:cTn id="66" dur="1" fill="hold">
-                                          <p:stCondLst>
-                                            <p:cond delay="0"/>
-                                          </p:stCondLst>
-                                        </p:cTn>
-                                        <p:tgtEl>
-                                          <p:spTgt spid="51"/>
-                                        </p:tgtEl>
-                                        <p:attrNameLst>
-                                          <p:attrName>style.visibility</p:attrName>
-                                        </p:attrNameLst>
-                                      </p:cBhvr>
-                                      <p:to>
-                                        <p:strVal val="hidden"/>
-                                      </p:to>
-                                    </p:set>
-                                  </p:childTnLst>
-                                </p:cTn>
-                              </p:par>
-                              <p:par>
-                                <p:cTn id="67" presetID="1" presetClass="exit" presetSubtype="0" fill="hold" grpId="0" nodeType="withEffect">
-                                  <p:stCondLst>
-                                    <p:cond delay="0"/>
-                                  </p:stCondLst>
-                                  <p:childTnLst>
-                                    <p:set>
-                                      <p:cBhvr>
-                                        <p:cTn id="68" dur="1" fill="hold">
-                                          <p:stCondLst>
-                                            <p:cond delay="0"/>
-                                          </p:stCondLst>
-                                        </p:cTn>
-                                        <p:tgtEl>
                                           <p:spTgt spid="52"/>
                                         </p:tgtEl>
                                         <p:attrNameLst>
@@ -6292,41 +5966,14 @@
                                 </p:cTn>
                               </p:par>
                               <p:par>
-                                <p:cTn id="69" presetID="1" presetClass="exit" presetSubtype="0" fill="hold" grpId="0" nodeType="withEffect">
+                                <p:cTn id="63" presetID="1" presetClass="exit" presetSubtype="0" fill="hold" grpId="0" nodeType="withEffect">
                                   <p:stCondLst>
                                     <p:cond delay="0"/>
                                   </p:stCondLst>
                                   <p:childTnLst>
                                     <p:set>
                                       <p:cBhvr>
-                                        <p:cTn id="70" dur="1" fill="hold">
-                                          <p:stCondLst>
-                                            <p:cond delay="0"/>
-                                          </p:stCondLst>
-                                        </p:cTn>
-                                        <p:tgtEl>
-                                          <p:spTgt spid="53"/>
-                                        </p:tgtEl>
-                                        <p:attrNameLst>
-                                          <p:attrName>style.visibility</p:attrName>
-                                        </p:attrNameLst>
-                                      </p:cBhvr>
-                                      <p:to>
-                                        <p:strVal val="hidden"/>
-                                      </p:to>
-                                    </p:set>
-                                  </p:childTnLst>
-                                </p:cTn>
-                              </p:par>
-                              <p:par>
-                                <p:cTn id="71" presetID="1" presetClass="exit" presetSubtype="0" fill="hold" grpId="0" nodeType="withEffect">
-                                  <p:stCondLst>
-                                    <p:cond delay="0"/>
-                                  </p:stCondLst>
-                                  <p:childTnLst>
-                                    <p:set>
-                                      <p:cBhvr>
-                                        <p:cTn id="72" dur="1" fill="hold">
+                                        <p:cTn id="64" dur="1" fill="hold">
                                           <p:stCondLst>
                                             <p:cond delay="0"/>
                                           </p:stCondLst>
@@ -6346,14 +5993,14 @@
                                 </p:cTn>
                               </p:par>
                               <p:par>
-                                <p:cTn id="73" presetID="1" presetClass="exit" presetSubtype="0" fill="hold" grpId="0" nodeType="withEffect">
+                                <p:cTn id="65" presetID="1" presetClass="exit" presetSubtype="0" fill="hold" grpId="0" nodeType="withEffect">
                                   <p:stCondLst>
                                     <p:cond delay="0"/>
                                   </p:stCondLst>
                                   <p:childTnLst>
                                     <p:set>
                                       <p:cBhvr>
-                                        <p:cTn id="74" dur="1" fill="hold">
+                                        <p:cTn id="66" dur="1" fill="hold">
                                           <p:stCondLst>
                                             <p:cond delay="0"/>
                                           </p:stCondLst>
@@ -6402,7 +6049,6 @@
     <p:bldLst>
       <p:bldP spid="5" grpId="0" animBg="1"/>
       <p:bldP spid="6" grpId="0" animBg="1"/>
-      <p:bldP spid="17" grpId="0" animBg="1"/>
       <p:bldP spid="18" grpId="0" animBg="1"/>
       <p:bldP spid="19" grpId="0" animBg="1"/>
       <p:bldP spid="20" grpId="0" animBg="1"/>
@@ -6416,10 +6062,8 @@
       <p:bldP spid="33" grpId="0" animBg="1"/>
       <p:bldP spid="34" grpId="0" animBg="1"/>
       <p:bldP spid="38" grpId="0"/>
-      <p:bldP spid="40" grpId="0" animBg="1"/>
       <p:bldP spid="42" grpId="0" animBg="1"/>
       <p:bldP spid="43" grpId="0" animBg="1"/>
-      <p:bldP spid="44" grpId="0" animBg="1"/>
       <p:bldP spid="45" grpId="0" animBg="1"/>
       <p:bldP spid="45" grpId="1" animBg="1"/>
       <p:bldP spid="46" grpId="0" animBg="1"/>
@@ -6430,7 +6074,6 @@
       <p:bldP spid="51" grpId="0"/>
       <p:bldP spid="51" grpId="1"/>
       <p:bldP spid="52" grpId="0" animBg="1"/>
-      <p:bldP spid="53" grpId="0" animBg="1"/>
       <p:bldP spid="30" grpId="0" animBg="1"/>
       <p:bldP spid="31" grpId="0" animBg="1"/>
     </p:bldLst>

--- a/docs/SetBudget.pptx
+++ b/docs/SetBudget.pptx
@@ -3830,8 +3830,8 @@
         </p:nvSpPr>
         <p:spPr bwMode="auto">
           <a:xfrm flipH="1">
-            <a:off x="722957" y="1440949"/>
-            <a:ext cx="5811" cy="4694675"/>
+            <a:off x="717414" y="1440949"/>
+            <a:ext cx="0" cy="5036037"/>
           </a:xfrm>
           <a:prstGeom prst="line">
             <a:avLst/>
@@ -4028,7 +4028,7 @@
         <p:spPr bwMode="auto">
           <a:xfrm flipH="1">
             <a:off x="3018095" y="2137789"/>
-            <a:ext cx="8589" cy="1590924"/>
+            <a:ext cx="0" cy="1590924"/>
           </a:xfrm>
           <a:prstGeom prst="line">
             <a:avLst/>
@@ -4315,7 +4315,7 @@
         <p:spPr bwMode="auto">
           <a:xfrm>
             <a:off x="6595908" y="3379401"/>
-            <a:ext cx="7333" cy="2480038"/>
+            <a:ext cx="0" cy="2480038"/>
           </a:xfrm>
           <a:prstGeom prst="line">
             <a:avLst/>
@@ -4944,8 +4944,8 @@
         </p:nvSpPr>
         <p:spPr bwMode="auto">
           <a:xfrm>
-            <a:off x="8291650" y="4081395"/>
-            <a:ext cx="0" cy="1605048"/>
+            <a:off x="8291650" y="4081394"/>
+            <a:ext cx="0" cy="2395599"/>
           </a:xfrm>
           <a:prstGeom prst="line">
             <a:avLst/>
